--- a/hw_first_lesson/presentations/1_устройство_пк.pptx
+++ b/hw_first_lesson/presentations/1_устройство_пк.pptx
@@ -312,7 +312,7 @@
           <a:p>
             <a:fld id="{72291A18-2BE5-4AFD-A6A2-48B5465CE473}" type="datetimeFigureOut">
               <a:rPr lang="en-US" smtClean="0"/>
-              <a:t>6/12/2023</a:t>
+              <a:t>7/13/2023</a:t>
             </a:fld>
             <a:endParaRPr lang="en-US"/>
           </a:p>
@@ -480,7 +480,7 @@
           <a:p>
             <a:fld id="{72291A18-2BE5-4AFD-A6A2-48B5465CE473}" type="datetimeFigureOut">
               <a:rPr lang="en-US" smtClean="0"/>
-              <a:t>6/12/2023</a:t>
+              <a:t>7/13/2023</a:t>
             </a:fld>
             <a:endParaRPr lang="en-US"/>
           </a:p>
@@ -658,7 +658,7 @@
           <a:p>
             <a:fld id="{72291A18-2BE5-4AFD-A6A2-48B5465CE473}" type="datetimeFigureOut">
               <a:rPr lang="en-US" smtClean="0"/>
-              <a:t>6/12/2023</a:t>
+              <a:t>7/13/2023</a:t>
             </a:fld>
             <a:endParaRPr lang="en-US"/>
           </a:p>
@@ -826,7 +826,7 @@
           <a:p>
             <a:fld id="{72291A18-2BE5-4AFD-A6A2-48B5465CE473}" type="datetimeFigureOut">
               <a:rPr lang="en-US" smtClean="0"/>
-              <a:t>6/12/2023</a:t>
+              <a:t>7/13/2023</a:t>
             </a:fld>
             <a:endParaRPr lang="en-US"/>
           </a:p>
@@ -1071,7 +1071,7 @@
           <a:p>
             <a:fld id="{72291A18-2BE5-4AFD-A6A2-48B5465CE473}" type="datetimeFigureOut">
               <a:rPr lang="en-US" smtClean="0"/>
-              <a:t>6/12/2023</a:t>
+              <a:t>7/13/2023</a:t>
             </a:fld>
             <a:endParaRPr lang="en-US"/>
           </a:p>
@@ -1300,7 +1300,7 @@
           <a:p>
             <a:fld id="{72291A18-2BE5-4AFD-A6A2-48B5465CE473}" type="datetimeFigureOut">
               <a:rPr lang="en-US" smtClean="0"/>
-              <a:t>6/12/2023</a:t>
+              <a:t>7/13/2023</a:t>
             </a:fld>
             <a:endParaRPr lang="en-US"/>
           </a:p>
@@ -1664,7 +1664,7 @@
           <a:p>
             <a:fld id="{72291A18-2BE5-4AFD-A6A2-48B5465CE473}" type="datetimeFigureOut">
               <a:rPr lang="en-US" smtClean="0"/>
-              <a:t>6/12/2023</a:t>
+              <a:t>7/13/2023</a:t>
             </a:fld>
             <a:endParaRPr lang="en-US"/>
           </a:p>
@@ -1781,7 +1781,7 @@
           <a:p>
             <a:fld id="{72291A18-2BE5-4AFD-A6A2-48B5465CE473}" type="datetimeFigureOut">
               <a:rPr lang="en-US" smtClean="0"/>
-              <a:t>6/12/2023</a:t>
+              <a:t>7/13/2023</a:t>
             </a:fld>
             <a:endParaRPr lang="en-US"/>
           </a:p>
@@ -1876,7 +1876,7 @@
           <a:p>
             <a:fld id="{72291A18-2BE5-4AFD-A6A2-48B5465CE473}" type="datetimeFigureOut">
               <a:rPr lang="en-US" smtClean="0"/>
-              <a:t>6/12/2023</a:t>
+              <a:t>7/13/2023</a:t>
             </a:fld>
             <a:endParaRPr lang="en-US"/>
           </a:p>
@@ -2151,7 +2151,7 @@
           <a:p>
             <a:fld id="{72291A18-2BE5-4AFD-A6A2-48B5465CE473}" type="datetimeFigureOut">
               <a:rPr lang="en-US" smtClean="0"/>
-              <a:t>6/12/2023</a:t>
+              <a:t>7/13/2023</a:t>
             </a:fld>
             <a:endParaRPr lang="en-US"/>
           </a:p>
@@ -2403,7 +2403,7 @@
           <a:p>
             <a:fld id="{72291A18-2BE5-4AFD-A6A2-48B5465CE473}" type="datetimeFigureOut">
               <a:rPr lang="en-US" smtClean="0"/>
-              <a:t>6/12/2023</a:t>
+              <a:t>7/13/2023</a:t>
             </a:fld>
             <a:endParaRPr lang="en-US"/>
           </a:p>
@@ -2623,7 +2623,7 @@
           <a:p>
             <a:fld id="{72291A18-2BE5-4AFD-A6A2-48B5465CE473}" type="datetimeFigureOut">
               <a:rPr lang="en-US" smtClean="0"/>
-              <a:t>6/12/2023</a:t>
+              <a:t>7/13/2023</a:t>
             </a:fld>
             <a:endParaRPr lang="en-US"/>
           </a:p>
@@ -3951,7 +3951,7 @@
         </p:blipFill>
         <p:spPr>
           <a:xfrm>
-            <a:off x="4874923" y="5248547"/>
+            <a:off x="5432271" y="5248547"/>
             <a:ext cx="5762625" cy="419100"/>
           </a:xfrm>
           <a:prstGeom prst="rect">
@@ -4774,7 +4774,7 @@
         </p:blipFill>
         <p:spPr>
           <a:xfrm>
-            <a:off x="5262154" y="4219983"/>
+            <a:off x="5889171" y="4211275"/>
             <a:ext cx="3810000" cy="542925"/>
           </a:xfrm>
           <a:prstGeom prst="rect">
@@ -5912,7 +5912,7 @@
         </p:blipFill>
         <p:spPr>
           <a:xfrm>
-            <a:off x="5738949" y="4282712"/>
+            <a:off x="6444343" y="4256586"/>
             <a:ext cx="4267200" cy="400050"/>
           </a:xfrm>
           <a:prstGeom prst="rect">
@@ -12804,7 +12804,7 @@
         <p:spPr>
           <a:xfrm>
             <a:off x="466724" y="2098676"/>
-            <a:ext cx="11077575" cy="4524315"/>
+            <a:ext cx="11077575" cy="4770537"/>
           </a:xfrm>
           <a:prstGeom prst="rect">
             <a:avLst/>
@@ -12857,7 +12857,18 @@
                 <a:ea typeface="Roboto" panose="02000000000000000000" pitchFamily="2" charset="0"/>
                 <a:cs typeface="Arimo" panose="020B0604020202020204" pitchFamily="34" charset="0"/>
               </a:rPr>
-              <a:t>занимаю должно </a:t>
+              <a:t>занимаю </a:t>
+            </a:r>
+            <a:r>
+              <a:rPr lang="ru-RU" sz="1600" dirty="0" smtClean="0">
+                <a:solidFill>
+                  <a:schemeClr val="bg1"/>
+                </a:solidFill>
+                <a:latin typeface="Roboto" panose="02000000000000000000" pitchFamily="2" charset="0"/>
+                <a:ea typeface="Roboto" panose="02000000000000000000" pitchFamily="2" charset="0"/>
+                <a:cs typeface="Arimo" panose="020B0604020202020204" pitchFamily="34" charset="0"/>
+              </a:rPr>
+              <a:t>должность </a:t>
             </a:r>
             <a:r>
               <a:rPr lang="en-US" sz="1600" dirty="0" smtClean="0">
@@ -13136,7 +13147,29 @@
                 <a:ea typeface="Roboto" panose="02000000000000000000" pitchFamily="2" charset="0"/>
                 <a:cs typeface="Arimo" panose="020B0604020202020204" pitchFamily="34" charset="0"/>
               </a:rPr>
-              <a:t>абота с различными БД (</a:t>
+              <a:t>абота с </a:t>
+            </a:r>
+            <a:r>
+              <a:rPr lang="ru-RU" sz="1600" dirty="0" smtClean="0">
+                <a:solidFill>
+                  <a:schemeClr val="bg1"/>
+                </a:solidFill>
+                <a:latin typeface="Roboto" panose="02000000000000000000" pitchFamily="2" charset="0"/>
+                <a:ea typeface="Roboto" panose="02000000000000000000" pitchFamily="2" charset="0"/>
+                <a:cs typeface="Arimo" panose="020B0604020202020204" pitchFamily="34" charset="0"/>
+              </a:rPr>
+              <a:t>БД </a:t>
+            </a:r>
+            <a:r>
+              <a:rPr lang="ru-RU" sz="1600" dirty="0" smtClean="0">
+                <a:solidFill>
+                  <a:schemeClr val="bg1"/>
+                </a:solidFill>
+                <a:latin typeface="Roboto" panose="02000000000000000000" pitchFamily="2" charset="0"/>
+                <a:ea typeface="Roboto" panose="02000000000000000000" pitchFamily="2" charset="0"/>
+                <a:cs typeface="Arimo" panose="020B0604020202020204" pitchFamily="34" charset="0"/>
+              </a:rPr>
+              <a:t>(</a:t>
             </a:r>
             <a:r>
               <a:rPr lang="en-US" sz="1600" dirty="0" smtClean="0">
